--- a/syllabus/week-01-course-outline-and-intro-to-DW/course_outline_and_DW_concepts/01_introduction_to_DW_course.pptx
+++ b/syllabus/week-01-course-outline-and-intro-to-DW/course_outline_and_DW_concepts/01_introduction_to_DW_course.pptx
@@ -244,7 +244,7 @@
           <a:p>
             <a:fld id="{D2652905-340A-7446-B80D-69FC56D9E8B0}" type="datetimeFigureOut">
               <a:rPr lang="en-US" smtClean="0"/>
-              <a:t>11/17/24</a:t>
+              <a:t>12/19/24</a:t>
             </a:fld>
             <a:endParaRPr lang="en-US"/>
           </a:p>
@@ -3048,7 +3048,7 @@
           <a:p>
             <a:fld id="{112779B1-49FA-AE40-A30D-0FBD14D02E5A}" type="datetimeFigureOut">
               <a:rPr lang="en-US" smtClean="0"/>
-              <a:t>11/17/24</a:t>
+              <a:t>12/19/24</a:t>
             </a:fld>
             <a:endParaRPr lang="en-US"/>
           </a:p>
@@ -3339,7 +3339,7 @@
           <a:p>
             <a:fld id="{112779B1-49FA-AE40-A30D-0FBD14D02E5A}" type="datetimeFigureOut">
               <a:rPr lang="en-US" smtClean="0"/>
-              <a:t>11/17/24</a:t>
+              <a:t>12/19/24</a:t>
             </a:fld>
             <a:endParaRPr lang="en-US"/>
           </a:p>
@@ -3512,7 +3512,7 @@
           <a:p>
             <a:fld id="{112779B1-49FA-AE40-A30D-0FBD14D02E5A}" type="datetimeFigureOut">
               <a:rPr lang="en-US" smtClean="0"/>
-              <a:t>11/17/24</a:t>
+              <a:t>12/19/24</a:t>
             </a:fld>
             <a:endParaRPr lang="en-US"/>
           </a:p>
@@ -3676,7 +3676,7 @@
           <a:p>
             <a:fld id="{112779B1-49FA-AE40-A30D-0FBD14D02E5A}" type="datetimeFigureOut">
               <a:rPr lang="en-US" smtClean="0"/>
-              <a:t>11/17/24</a:t>
+              <a:t>12/19/24</a:t>
             </a:fld>
             <a:endParaRPr lang="en-US"/>
           </a:p>
@@ -3925,7 +3925,7 @@
           <a:p>
             <a:fld id="{112779B1-49FA-AE40-A30D-0FBD14D02E5A}" type="datetimeFigureOut">
               <a:rPr lang="en-US" smtClean="0"/>
-              <a:t>11/17/24</a:t>
+              <a:t>12/19/24</a:t>
             </a:fld>
             <a:endParaRPr lang="en-US"/>
           </a:p>
@@ -4207,7 +4207,7 @@
           <a:p>
             <a:fld id="{112779B1-49FA-AE40-A30D-0FBD14D02E5A}" type="datetimeFigureOut">
               <a:rPr lang="en-US" smtClean="0"/>
-              <a:t>11/17/24</a:t>
+              <a:t>12/19/24</a:t>
             </a:fld>
             <a:endParaRPr lang="en-US"/>
           </a:p>
@@ -4645,7 +4645,7 @@
           <a:p>
             <a:fld id="{112779B1-49FA-AE40-A30D-0FBD14D02E5A}" type="datetimeFigureOut">
               <a:rPr lang="en-US" smtClean="0"/>
-              <a:t>11/17/24</a:t>
+              <a:t>12/19/24</a:t>
             </a:fld>
             <a:endParaRPr lang="en-US"/>
           </a:p>
@@ -4757,7 +4757,7 @@
           <a:p>
             <a:fld id="{112779B1-49FA-AE40-A30D-0FBD14D02E5A}" type="datetimeFigureOut">
               <a:rPr lang="en-US" smtClean="0"/>
-              <a:t>11/17/24</a:t>
+              <a:t>12/19/24</a:t>
             </a:fld>
             <a:endParaRPr lang="en-US"/>
           </a:p>
@@ -4847,7 +4847,7 @@
           <a:p>
             <a:fld id="{112779B1-49FA-AE40-A30D-0FBD14D02E5A}" type="datetimeFigureOut">
               <a:rPr lang="en-US" smtClean="0"/>
-              <a:t>11/17/24</a:t>
+              <a:t>12/19/24</a:t>
             </a:fld>
             <a:endParaRPr lang="en-US"/>
           </a:p>
@@ -5089,7 +5089,7 @@
           <a:p>
             <a:fld id="{112779B1-49FA-AE40-A30D-0FBD14D02E5A}" type="datetimeFigureOut">
               <a:rPr lang="en-US" smtClean="0"/>
-              <a:t>11/17/24</a:t>
+              <a:t>12/19/24</a:t>
             </a:fld>
             <a:endParaRPr lang="en-US"/>
           </a:p>
@@ -5381,7 +5381,7 @@
           <a:p>
             <a:fld id="{112779B1-49FA-AE40-A30D-0FBD14D02E5A}" type="datetimeFigureOut">
               <a:rPr lang="en-US" smtClean="0"/>
-              <a:t>11/17/24</a:t>
+              <a:t>12/19/24</a:t>
             </a:fld>
             <a:endParaRPr lang="en-US"/>
           </a:p>
@@ -5675,7 +5675,7 @@
           <a:p>
             <a:fld id="{112779B1-49FA-AE40-A30D-0FBD14D02E5A}" type="datetimeFigureOut">
               <a:rPr lang="en-US" smtClean="0"/>
-              <a:t>11/17/24</a:t>
+              <a:t>12/19/24</a:t>
             </a:fld>
             <a:endParaRPr lang="en-US"/>
           </a:p>
@@ -6195,23 +6195,7 @@
                   <a:srgbClr val="7030A0"/>
                 </a:solidFill>
               </a:rPr>
-              <a:t>Data  </a:t>
-            </a:r>
-            <a:r>
-              <a:rPr lang="en-US" sz="4400" dirty="0" err="1">
-                <a:solidFill>
-                  <a:srgbClr val="7030A0"/>
-                </a:solidFill>
-              </a:rPr>
-              <a:t>WareHousing</a:t>
-            </a:r>
-            <a:r>
-              <a:rPr lang="en-US" sz="4400" dirty="0">
-                <a:solidFill>
-                  <a:srgbClr val="7030A0"/>
-                </a:solidFill>
-              </a:rPr>
-              <a:t> </a:t>
+              <a:t>Data  Warehousing </a:t>
             </a:r>
             <a:r>
               <a:rPr lang="en-US" sz="4800" dirty="0">
@@ -6234,15 +6218,7 @@
                   <a:srgbClr val="7030A0"/>
                 </a:solidFill>
               </a:rPr>
-              <a:t>Business  </a:t>
-            </a:r>
-            <a:r>
-              <a:rPr lang="en-US" sz="4000" dirty="0" err="1">
-                <a:solidFill>
-                  <a:srgbClr val="7030A0"/>
-                </a:solidFill>
-              </a:rPr>
-              <a:t>Inlelligence</a:t>
+              <a:t>Business  Intelligence</a:t>
             </a:r>
             <a:br>
               <a:rPr lang="en-US" sz="4000" dirty="0">
@@ -6469,13 +6445,8 @@
           <a:p>
             <a:r>
               <a:rPr lang="en-US" sz="2800" dirty="0"/>
-              <a:t>Mahmoud   </a:t>
-            </a:r>
-            <a:r>
-              <a:rPr lang="en-US" sz="2800" dirty="0" err="1"/>
-              <a:t>Parsian</a:t>
-            </a:r>
-            <a:endParaRPr lang="en-US" sz="2800" dirty="0"/>
+              <a:t>Mahmoud   PaRsian</a:t>
+            </a:r>
           </a:p>
           <a:p>
             <a:r>
@@ -7520,17 +7491,21 @@
           </a:bodyPr>
           <a:lstStyle/>
           <a:p>
+            <a:r>
+              <a:rPr lang="en-US" sz="2400" dirty="0"/>
+              <a:t>Assignments are expected to be done on time.</a:t>
+            </a:r>
+            <a:endParaRPr lang="en-US" dirty="0"/>
+          </a:p>
+          <a:p>
             <a:pPr marL="342900" indent="-342900">
               <a:buFont typeface="Arial" panose="020B0604020202020204" pitchFamily="34" charset="0"/>
               <a:buChar char="•"/>
             </a:pPr>
             <a:r>
-              <a:rPr lang="en-US" sz="2400" dirty="0"/>
-              <a:t>Assignments are expected to be done on time.</a:t>
-            </a:r>
-          </a:p>
-          <a:p>
-            <a:endParaRPr lang="en-US" dirty="0"/>
+              <a:rPr lang="en-US" sz="2000" dirty="0"/>
+              <a:t>Late 1 day:   10% deduction</a:t>
+            </a:r>
           </a:p>
           <a:p>
             <a:pPr marL="342900" indent="-342900">
@@ -7539,7 +7514,15 @@
             </a:pPr>
             <a:r>
               <a:rPr lang="en-US" sz="2000" dirty="0"/>
-              <a:t>Late 1 day:      5% deduction</a:t>
+              <a:t>Late </a:t>
+            </a:r>
+            <a:r>
+              <a:rPr lang="en-US" dirty="0"/>
+              <a:t>2</a:t>
+            </a:r>
+            <a:r>
+              <a:rPr lang="en-US" sz="2000" dirty="0"/>
+              <a:t> days: 20% deduction</a:t>
             </a:r>
           </a:p>
           <a:p>
@@ -7549,15 +7532,15 @@
             </a:pPr>
             <a:r>
               <a:rPr lang="en-US" sz="2000" dirty="0"/>
-              <a:t>Late </a:t>
+              <a:t>Late 3 days: 3</a:t>
             </a:r>
             <a:r>
               <a:rPr lang="en-US" dirty="0"/>
-              <a:t>2</a:t>
+              <a:t>0</a:t>
             </a:r>
             <a:r>
               <a:rPr lang="en-US" sz="2000" dirty="0"/>
-              <a:t> days: 10% deduction</a:t>
+              <a:t>% deduction</a:t>
             </a:r>
           </a:p>
           <a:p>
@@ -7567,25 +7550,7 @@
             </a:pPr>
             <a:r>
               <a:rPr lang="en-US" sz="2000" dirty="0"/>
-              <a:t>Late 3 days: </a:t>
-            </a:r>
-            <a:r>
-              <a:rPr lang="en-US" dirty="0"/>
-              <a:t>20</a:t>
-            </a:r>
-            <a:r>
-              <a:rPr lang="en-US" sz="2000" dirty="0"/>
-              <a:t>% deduction</a:t>
-            </a:r>
-          </a:p>
-          <a:p>
-            <a:pPr marL="342900" indent="-342900">
-              <a:buFont typeface="Arial" panose="020B0604020202020204" pitchFamily="34" charset="0"/>
-              <a:buChar char="•"/>
-            </a:pPr>
-            <a:r>
-              <a:rPr lang="en-US" sz="2000" dirty="0"/>
-              <a:t>Late 4 days: 3</a:t>
+              <a:t>Late 4 days: 4</a:t>
             </a:r>
             <a:r>
               <a:rPr lang="en-US" dirty="0"/>
@@ -8934,7 +8899,9 @@
         </p:nvSpPr>
         <p:spPr/>
         <p:txBody>
-          <a:bodyPr/>
+          <a:bodyPr>
+            <a:normAutofit fontScale="92500" lnSpcReduction="10000"/>
+          </a:bodyPr>
           <a:lstStyle/>
           <a:p>
             <a:pPr>
@@ -8974,9 +8941,53 @@
             </a:r>
           </a:p>
           <a:p>
+            <a:pPr marL="342900" indent="-342900">
+              <a:buFont typeface="Arial" panose="020B0604020202020204" pitchFamily="34" charset="0"/>
+              <a:buChar char="•"/>
+            </a:pPr>
             <a:r>
               <a:rPr lang="en-US" sz="2400" b="0" dirty="0"/>
-              <a:t>Accounts database; payroll database; UW’s students database; Amazon’s products database; airline reservation database</a:t>
+              <a:t>Accounts database</a:t>
+            </a:r>
+          </a:p>
+          <a:p>
+            <a:pPr marL="342900" indent="-342900">
+              <a:buFont typeface="Arial" panose="020B0604020202020204" pitchFamily="34" charset="0"/>
+              <a:buChar char="•"/>
+            </a:pPr>
+            <a:r>
+              <a:rPr lang="en-US" sz="2400" b="0" dirty="0"/>
+              <a:t>Payroll database</a:t>
+            </a:r>
+          </a:p>
+          <a:p>
+            <a:pPr marL="342900" indent="-342900">
+              <a:buFont typeface="Arial" panose="020B0604020202020204" pitchFamily="34" charset="0"/>
+              <a:buChar char="•"/>
+            </a:pPr>
+            <a:r>
+              <a:rPr lang="en-US" sz="2400" b="0" dirty="0"/>
+              <a:t>Students database</a:t>
+            </a:r>
+          </a:p>
+          <a:p>
+            <a:pPr marL="342900" indent="-342900">
+              <a:buFont typeface="Arial" panose="020B0604020202020204" pitchFamily="34" charset="0"/>
+              <a:buChar char="•"/>
+            </a:pPr>
+            <a:r>
+              <a:rPr lang="en-US" sz="2400" b="0" dirty="0"/>
+              <a:t>Amazon’s products database</a:t>
+            </a:r>
+          </a:p>
+          <a:p>
+            <a:pPr marL="342900" indent="-342900">
+              <a:buFont typeface="Arial" panose="020B0604020202020204" pitchFamily="34" charset="0"/>
+              <a:buChar char="•"/>
+            </a:pPr>
+            <a:r>
+              <a:rPr lang="en-US" sz="2400" b="0" dirty="0"/>
+              <a:t>Airline reservation database</a:t>
             </a:r>
           </a:p>
         </p:txBody>
@@ -9910,7 +9921,7 @@
         </p:spPr>
         <p:txBody>
           <a:bodyPr>
-            <a:normAutofit lnSpcReduction="10000"/>
+            <a:normAutofit/>
           </a:bodyPr>
           <a:lstStyle/>
           <a:p>
@@ -9964,8 +9975,13 @@
             </a:r>
             <a:r>
               <a:rPr lang="en-US" sz="3200" b="0" dirty="0"/>
-              <a:t>: Lead Big Data Architect @Illumina</a:t>
-            </a:r>
+              <a:t>: </a:t>
+            </a:r>
+            <a:r>
+              <a:rPr lang="en-US" sz="2800" b="0" dirty="0"/>
+              <a:t>Lead Big Data Architect @Illumina</a:t>
+            </a:r>
+            <a:endParaRPr lang="en-US" sz="3200" b="0" dirty="0"/>
           </a:p>
           <a:p>
             <a:pPr marL="457200" indent="-457200">
@@ -11685,21 +11701,15 @@
               <a:rPr lang="en-US" sz="2800" dirty="0"/>
               <a:t>: </a:t>
             </a:r>
+          </a:p>
+          <a:p>
             <a:r>
               <a:rPr lang="en-US" sz="2800" dirty="0">
                 <a:solidFill>
                   <a:srgbClr val="7030A0"/>
                 </a:solidFill>
               </a:rPr>
-              <a:t>Ms. Prachi </a:t>
-            </a:r>
-            <a:r>
-              <a:rPr lang="en-US" sz="2800" dirty="0" err="1">
-                <a:solidFill>
-                  <a:srgbClr val="7030A0"/>
-                </a:solidFill>
-              </a:rPr>
-              <a:t>Kotkar</a:t>
+              <a:t>       Ms. Padma Rishitha Pusapati</a:t>
             </a:r>
             <a:endParaRPr lang="en-US" sz="2400" i="0" strike="noStrike" dirty="0">
               <a:solidFill>
@@ -11731,10 +11741,19 @@
                 </a:solidFill>
                 <a:effectLst/>
               </a:rPr>
-              <a:t> https://</a:t>
-            </a:r>
-            <a:r>
-              <a:rPr lang="en-US" b="0" i="0" dirty="0" err="1">
+              <a:t> </a:t>
+            </a:r>
+            <a:r>
+              <a:rPr lang="en-US" sz="1400" b="0" i="0" dirty="0">
+                <a:solidFill>
+                  <a:srgbClr val="222222"/>
+                </a:solidFill>
+                <a:effectLst/>
+              </a:rPr>
+              <a:t>https://</a:t>
+            </a:r>
+            <a:r>
+              <a:rPr lang="en-US" sz="1400" b="0" i="0" dirty="0" err="1">
                 <a:solidFill>
                   <a:srgbClr val="222222"/>
                 </a:solidFill>
@@ -11743,32 +11762,50 @@
               <a:t>www.linkedin.com</a:t>
             </a:r>
             <a:r>
-              <a:rPr lang="en-US" b="0" i="0" dirty="0">
+              <a:rPr lang="en-US" sz="1400" b="0" i="0" dirty="0">
                 <a:solidFill>
                   <a:srgbClr val="222222"/>
                 </a:solidFill>
                 <a:effectLst/>
               </a:rPr>
-              <a:t>/in/</a:t>
-            </a:r>
-            <a:r>
-              <a:rPr lang="en-US" b="0" i="0" dirty="0" err="1">
+              <a:t>/in/padma-rishitha-pusapati-a4480b291/ </a:t>
+            </a:r>
+          </a:p>
+          <a:p>
+            <a:pPr marL="457200" indent="-457200">
+              <a:buFont typeface="Arial" charset="0"/>
+              <a:buChar char="•"/>
+            </a:pPr>
+            <a:r>
+              <a:rPr lang="en-US" sz="3200" b="0" dirty="0">
                 <a:solidFill>
                   <a:srgbClr val="222222"/>
                 </a:solidFill>
-                <a:effectLst/>
               </a:rPr>
-              <a:t>prachi-kotkar</a:t>
-            </a:r>
-            <a:r>
-              <a:rPr lang="en-US" b="0" i="0" dirty="0">
+              <a:t>Email:</a:t>
+            </a:r>
+            <a:r>
+              <a:rPr lang="en-US" sz="1400" b="0" dirty="0">
                 <a:solidFill>
                   <a:srgbClr val="222222"/>
                 </a:solidFill>
-                <a:effectLst/>
               </a:rPr>
-              <a:t>/</a:t>
-            </a:r>
+              <a:t> </a:t>
+            </a:r>
+            <a:r>
+              <a:rPr lang="en-US" sz="2800" b="0" dirty="0" err="1">
+                <a:solidFill>
+                  <a:srgbClr val="222222"/>
+                </a:solidFill>
+              </a:rPr>
+              <a:t>ppusapati@scu.edu</a:t>
+            </a:r>
+            <a:endParaRPr lang="en-US" b="0" i="0" dirty="0">
+              <a:solidFill>
+                <a:srgbClr val="222222"/>
+              </a:solidFill>
+              <a:effectLst/>
+            </a:endParaRPr>
           </a:p>
           <a:p>
             <a:pPr marL="457200" indent="-457200">
@@ -12018,8 +12055,8 @@
         </p:nvSpPr>
         <p:spPr>
           <a:xfrm>
-            <a:off x="927652" y="152718"/>
-            <a:ext cx="5320748" cy="1371600"/>
+            <a:off x="1287516" y="152718"/>
+            <a:ext cx="4960883" cy="1371600"/>
           </a:xfrm>
         </p:spPr>
         <p:txBody>
@@ -12073,14 +12110,14 @@
           <p:nvPr>
             <p:extLst>
               <p:ext uri="{D42A27DB-BD31-4B8C-83A1-F6EECF244321}">
-                <p14:modId xmlns:p14="http://schemas.microsoft.com/office/powerpoint/2010/main" val="1576198866"/>
+                <p14:modId xmlns:p14="http://schemas.microsoft.com/office/powerpoint/2010/main" val="1287132776"/>
               </p:ext>
             </p:extLst>
           </p:nvPr>
         </p:nvGraphicFramePr>
         <p:xfrm>
-          <a:off x="927652" y="1849582"/>
-          <a:ext cx="5320748" cy="2623954"/>
+          <a:off x="1287517" y="1752600"/>
+          <a:ext cx="5320748" cy="3186329"/>
         </p:xfrm>
         <a:graphic>
           <a:graphicData uri="http://schemas.openxmlformats.org/drawingml/2006/table">
@@ -12089,14 +12126,14 @@
                 <a:tableStyleId>{5C22544A-7EE6-4342-B048-85BDC9FD1C3A}</a:tableStyleId>
               </a:tblPr>
               <a:tblGrid>
-                <a:gridCol w="3426678">
+                <a:gridCol w="4041228">
                   <a:extLst>
                     <a:ext uri="{9D8B030D-6E8A-4147-A177-3AD203B41FA5}">
                       <a16:colId xmlns:a16="http://schemas.microsoft.com/office/drawing/2014/main" val="1214347345"/>
                     </a:ext>
                   </a:extLst>
                 </a:gridCol>
-                <a:gridCol w="1894070">
+                <a:gridCol w="1279520">
                   <a:extLst>
                     <a:ext uri="{9D8B030D-6E8A-4147-A177-3AD203B41FA5}">
                       <a16:colId xmlns:a16="http://schemas.microsoft.com/office/drawing/2014/main" val="3762736974"/>
@@ -12144,9 +12181,10 @@
                     <a:lstStyle/>
                     <a:p>
                       <a:r>
-                        <a:rPr lang="en-US" dirty="0"/>
-                        <a:t>Homework</a:t>
+                        <a:rPr lang="en-US" sz="2800" dirty="0"/>
+                        <a:t>Homework/Assignment</a:t>
                       </a:r>
+                      <a:endParaRPr lang="en-US" dirty="0"/>
                     </a:p>
                   </a:txBody>
                   <a:tcPr/>
@@ -12177,7 +12215,7 @@
                     <a:lstStyle/>
                     <a:p>
                       <a:r>
-                        <a:rPr lang="en-US" dirty="0"/>
+                        <a:rPr lang="en-US" sz="2800" dirty="0"/>
                         <a:t>Group Project</a:t>
                       </a:r>
                     </a:p>
@@ -12210,7 +12248,7 @@
                     <a:lstStyle/>
                     <a:p>
                       <a:r>
-                        <a:rPr lang="en-US" dirty="0"/>
+                        <a:rPr lang="en-US" sz="2800" dirty="0"/>
                         <a:t>Midterm Exam</a:t>
                       </a:r>
                     </a:p>
@@ -12243,7 +12281,7 @@
                     <a:lstStyle/>
                     <a:p>
                       <a:r>
-                        <a:rPr lang="en-US" dirty="0"/>
+                        <a:rPr lang="en-US" sz="2800" dirty="0"/>
                         <a:t>Final Exam</a:t>
                       </a:r>
                     </a:p>
@@ -12266,6 +12304,47 @@
                 <a:extLst>
                   <a:ext uri="{0D108BD9-81ED-4DB2-BD59-A6C34878D82A}">
                     <a16:rowId xmlns:a16="http://schemas.microsoft.com/office/drawing/2014/main" val="1588113900"/>
+                  </a:ext>
+                </a:extLst>
+              </a:tr>
+              <a:tr h="400300">
+                <a:tc>
+                  <a:txBody>
+                    <a:bodyPr/>
+                    <a:lstStyle/>
+                    <a:p>
+                      <a:r>
+                        <a:rPr lang="en-US" dirty="0">
+                          <a:highlight>
+                            <a:srgbClr val="00FF00"/>
+                          </a:highlight>
+                        </a:rPr>
+                        <a:t>TOTAL</a:t>
+                      </a:r>
+                    </a:p>
+                  </a:txBody>
+                  <a:tcPr/>
+                </a:tc>
+                <a:tc>
+                  <a:txBody>
+                    <a:bodyPr/>
+                    <a:lstStyle/>
+                    <a:p>
+                      <a:r>
+                        <a:rPr lang="en-US" dirty="0">
+                          <a:highlight>
+                            <a:srgbClr val="00FF00"/>
+                          </a:highlight>
+                        </a:rPr>
+                        <a:t>100%</a:t>
+                      </a:r>
+                    </a:p>
+                  </a:txBody>
+                  <a:tcPr/>
+                </a:tc>
+                <a:extLst>
+                  <a:ext uri="{0D108BD9-81ED-4DB2-BD59-A6C34878D82A}">
+                    <a16:rowId xmlns:a16="http://schemas.microsoft.com/office/drawing/2014/main" val="1635507710"/>
                   </a:ext>
                 </a:extLst>
               </a:tr>
